--- a/Caffeine.pptx
+++ b/Caffeine.pptx
@@ -108,6 +108,11 @@
       </a:defRPr>
     </a:lvl9pPr>
   </p:defaultTextStyle>
+  <p:extLst>
+    <p:ext uri="{EFAFB233-063F-42B5-8137-9DF3F51BA10A}">
+      <p15:sldGuideLst xmlns:p15="http://schemas.microsoft.com/office/powerpoint/2012/main"/>
+    </p:ext>
+  </p:extLst>
 </p:presentation>
 </file>
 
@@ -10731,7 +10736,7 @@
           <a:p>
             <a:fld id="{2F3E8B1C-86EF-43CF-8304-249481088644}" type="datetimeFigureOut">
               <a:rPr lang="en-US" smtClean="0"/>
-              <a:t>2/28/2023</a:t>
+              <a:t>3/3/2023</a:t>
             </a:fld>
             <a:endParaRPr lang="en-US"/>
           </a:p>
@@ -10929,7 +10934,7 @@
           <a:p>
             <a:fld id="{2F3E8B1C-86EF-43CF-8304-249481088644}" type="datetimeFigureOut">
               <a:rPr lang="en-US" smtClean="0"/>
-              <a:t>2/28/2023</a:t>
+              <a:t>3/3/2023</a:t>
             </a:fld>
             <a:endParaRPr lang="en-US"/>
           </a:p>
@@ -11137,7 +11142,7 @@
           <a:p>
             <a:fld id="{2F3E8B1C-86EF-43CF-8304-249481088644}" type="datetimeFigureOut">
               <a:rPr lang="en-US" smtClean="0"/>
-              <a:t>2/28/2023</a:t>
+              <a:t>3/3/2023</a:t>
             </a:fld>
             <a:endParaRPr lang="en-US"/>
           </a:p>
@@ -11335,7 +11340,7 @@
           <a:p>
             <a:fld id="{2F3E8B1C-86EF-43CF-8304-249481088644}" type="datetimeFigureOut">
               <a:rPr lang="en-US" smtClean="0"/>
-              <a:t>2/28/2023</a:t>
+              <a:t>3/3/2023</a:t>
             </a:fld>
             <a:endParaRPr lang="en-US"/>
           </a:p>
@@ -11610,7 +11615,7 @@
           <a:p>
             <a:fld id="{2F3E8B1C-86EF-43CF-8304-249481088644}" type="datetimeFigureOut">
               <a:rPr lang="en-US" smtClean="0"/>
-              <a:t>2/28/2023</a:t>
+              <a:t>3/3/2023</a:t>
             </a:fld>
             <a:endParaRPr lang="en-US"/>
           </a:p>
@@ -11880,7 +11885,7 @@
           <a:p>
             <a:fld id="{2F3E8B1C-86EF-43CF-8304-249481088644}" type="datetimeFigureOut">
               <a:rPr lang="en-US" smtClean="0"/>
-              <a:t>2/28/2023</a:t>
+              <a:t>3/3/2023</a:t>
             </a:fld>
             <a:endParaRPr lang="en-US"/>
           </a:p>
@@ -12300,7 +12305,7 @@
           <a:p>
             <a:fld id="{2F3E8B1C-86EF-43CF-8304-249481088644}" type="datetimeFigureOut">
               <a:rPr lang="en-US" smtClean="0"/>
-              <a:t>2/28/2023</a:t>
+              <a:t>3/3/2023</a:t>
             </a:fld>
             <a:endParaRPr lang="en-US"/>
           </a:p>
@@ -12441,7 +12446,7 @@
           <a:p>
             <a:fld id="{2F3E8B1C-86EF-43CF-8304-249481088644}" type="datetimeFigureOut">
               <a:rPr lang="en-US" smtClean="0"/>
-              <a:t>2/28/2023</a:t>
+              <a:t>3/3/2023</a:t>
             </a:fld>
             <a:endParaRPr lang="en-US"/>
           </a:p>
@@ -12554,7 +12559,7 @@
           <a:p>
             <a:fld id="{2F3E8B1C-86EF-43CF-8304-249481088644}" type="datetimeFigureOut">
               <a:rPr lang="en-US" smtClean="0"/>
-              <a:t>2/28/2023</a:t>
+              <a:t>3/3/2023</a:t>
             </a:fld>
             <a:endParaRPr lang="en-US"/>
           </a:p>
@@ -12865,7 +12870,7 @@
           <a:p>
             <a:fld id="{2F3E8B1C-86EF-43CF-8304-249481088644}" type="datetimeFigureOut">
               <a:rPr lang="en-US" smtClean="0"/>
-              <a:t>2/28/2023</a:t>
+              <a:t>3/3/2023</a:t>
             </a:fld>
             <a:endParaRPr lang="en-US"/>
           </a:p>
@@ -13153,7 +13158,7 @@
           <a:p>
             <a:fld id="{2F3E8B1C-86EF-43CF-8304-249481088644}" type="datetimeFigureOut">
               <a:rPr lang="en-US" smtClean="0"/>
-              <a:t>2/28/2023</a:t>
+              <a:t>3/3/2023</a:t>
             </a:fld>
             <a:endParaRPr lang="en-US"/>
           </a:p>
@@ -13394,7 +13399,7 @@
             <a:fld id="{2F3E8B1C-86EF-43CF-8304-249481088644}" type="datetimeFigureOut">
               <a:rPr lang="en-US" smtClean="0"/>
               <a:pPr/>
-              <a:t>2/28/2023</a:t>
+              <a:t>3/3/2023</a:t>
             </a:fld>
             <a:endParaRPr lang="en-US" dirty="0"/>
           </a:p>
@@ -14138,42 +14143,6 @@
           </a:p>
         </p:txBody>
       </p:sp>
-      <p:sp>
-        <p:nvSpPr>
-          <p:cNvPr id="3" name="Subtitle 2">
-            <a:extLst>
-              <a:ext uri="{FF2B5EF4-FFF2-40B4-BE49-F238E27FC236}">
-                <a16:creationId xmlns:a16="http://schemas.microsoft.com/office/drawing/2014/main" id="{CCC9F08B-6E22-3CCD-F6EF-1F8F31ED0C5A}"/>
-              </a:ext>
-            </a:extLst>
-          </p:cNvPr>
-          <p:cNvSpPr>
-            <a:spLocks noGrp="1"/>
-          </p:cNvSpPr>
-          <p:nvPr>
-            <p:ph type="subTitle" idx="1"/>
-          </p:nvPr>
-        </p:nvSpPr>
-        <p:spPr>
-          <a:xfrm>
-            <a:off x="8712865" y="1447799"/>
-            <a:ext cx="2368905" cy="4076699"/>
-          </a:xfrm>
-        </p:spPr>
-        <p:txBody>
-          <a:bodyPr anchor="ctr">
-            <a:normAutofit/>
-          </a:bodyPr>
-          <a:lstStyle/>
-          <a:p>
-            <a:endParaRPr lang="en-GB" dirty="0">
-              <a:solidFill>
-                <a:srgbClr val="FFFFFF"/>
-              </a:solidFill>
-            </a:endParaRPr>
-          </a:p>
-        </p:txBody>
-      </p:sp>
       <p:cxnSp>
         <p:nvCxnSpPr>
           <p:cNvPr id="13" name="Straight Connector 12">
@@ -14807,8 +14776,8 @@
           </a:p>
         </p:txBody>
       </p:sp>
-      <mc:AlternateContent xmlns:mc="http://schemas.openxmlformats.org/markup-compatibility/2006">
-        <mc:Choice xmlns:cx4="http://schemas.microsoft.com/office/drawing/2016/5/10/chartex" Requires="cx4">
+      <mc:AlternateContent xmlns:mc="http://schemas.openxmlformats.org/markup-compatibility/2006" xmlns:cx4="http://schemas.microsoft.com/office/drawing/2016/5/10/chartex">
+        <mc:Choice Requires="cx4">
           <p:graphicFrame>
             <p:nvGraphicFramePr>
               <p:cNvPr id="6" name="Chart 5">
@@ -14838,7 +14807,7 @@
             </a:graphic>
           </p:graphicFrame>
         </mc:Choice>
-        <mc:Fallback>
+        <mc:Fallback xmlns="">
           <p:pic>
             <p:nvPicPr>
               <p:cNvPr id="6" name="Chart 5">
